--- a/units/5/lessons/8/resources/petascale-lesson-5.8-slides.pptx
+++ b/units/5/lessons/8/resources/petascale-lesson-5.8-slides.pptx
@@ -11,7 +11,7 @@
   </p:notesMasterIdLst>
   <p:sldIdLst>
     <p:sldId id="274" r:id="rId4"/>
-    <p:sldId id="275" r:id="rId5"/>
+    <p:sldId id="276" r:id="rId5"/>
     <p:sldId id="256" r:id="rId6"/>
     <p:sldId id="257" r:id="rId7"/>
     <p:sldId id="258" r:id="rId8"/>
@@ -263,8 +263,11 @@
     </a:lvl9pPr>
   </p:defaultTextStyle>
   <p:extLst>
+    <p:ext uri="{EFAFB233-063F-42B5-8137-9DF3F51BA10A}">
+      <p15:sldGuideLst xmlns:p15="http://schemas.microsoft.com/office/powerpoint/2012/main"/>
+    </p:ext>
     <p:ext uri="http://customooxmlschemas.google.com/">
-      <go:slidesCustomData xmlns:go="http://customooxmlschemas.google.com/" xmlns:p15="http://schemas.microsoft.com/office/powerpoint/2012/main" xmlns:p14="http://schemas.microsoft.com/office/powerpoint/2010/main" xmlns:com="http://schemas.openxmlformats.org/drawingml/2006/compatibility" xmlns:pvml="urn:schemas-microsoft-com:office:powerpoint" xmlns:v="urn:schemas-microsoft-com:vml" xmlns:o="urn:schemas-microsoft-com:office:office" xmlns:dgm="http://schemas.openxmlformats.org/drawingml/2006/diagram" xmlns:c="http://schemas.openxmlformats.org/drawingml/2006/chart" xmlns:mv="urn:schemas-microsoft-com:mac:vml" xmlns:mc="http://schemas.openxmlformats.org/markup-compatibility/2006" xmlns="" r:id="rId25" roundtripDataSignature="AMtx7mj/s3i3aM7v6C4uxNgjdmov10TT3Q=="/>
+      <go:slidesCustomData xmlns="" xmlns:mc="http://schemas.openxmlformats.org/markup-compatibility/2006" xmlns:mv="urn:schemas-microsoft-com:mac:vml" xmlns:c="http://schemas.openxmlformats.org/drawingml/2006/chart" xmlns:dgm="http://schemas.openxmlformats.org/drawingml/2006/diagram" xmlns:o="urn:schemas-microsoft-com:office:office" xmlns:v="urn:schemas-microsoft-com:vml" xmlns:pvml="urn:schemas-microsoft-com:office:powerpoint" xmlns:com="http://schemas.openxmlformats.org/drawingml/2006/compatibility" xmlns:p14="http://schemas.microsoft.com/office/powerpoint/2010/main" xmlns:p15="http://schemas.microsoft.com/office/powerpoint/2012/main" xmlns:go="http://customooxmlschemas.google.com/" r:id="rId25" roundtripDataSignature="AMtx7mj/s3i3aM7v6C4uxNgjdmov10TT3Q=="/>
     </p:ext>
   </p:extLst>
 </p:presentation>
@@ -22415,14 +22418,6 @@
               </a:rPr>
               <a:t>: N-Body Mechanics in MPI</a:t>
             </a:r>
-            <a:r>
-              <a:rPr lang="en-US" sz="3600" b="1" dirty="0">
-                <a:latin typeface="Times New Roman" charset="0"/>
-                <a:ea typeface="Times New Roman" charset="0"/>
-                <a:cs typeface="Times New Roman" charset="0"/>
-              </a:rPr>
-              <a:t/>
-            </a:r>
             <a:br>
               <a:rPr lang="en-US" sz="3600" b="1" dirty="0">
                 <a:latin typeface="Times New Roman" charset="0"/>
@@ -22436,15 +22431,7 @@
                 <a:ea typeface="Times New Roman" charset="0"/>
                 <a:cs typeface="Times New Roman" charset="0"/>
               </a:rPr>
-              <a:t>Developed by </a:t>
-            </a:r>
-            <a:r>
-              <a:rPr lang="en-US" sz="3600" i="1" dirty="0">
-                <a:latin typeface="Times New Roman" charset="0"/>
-                <a:ea typeface="Times New Roman" charset="0"/>
-                <a:cs typeface="Times New Roman" charset="0"/>
-              </a:rPr>
-              <a:t>Justin </a:t>
+              <a:t>Developed by Justin </a:t>
             </a:r>
             <a:r>
               <a:rPr lang="en-US" sz="3600" i="1" dirty="0" err="1">
@@ -28121,11 +28108,7 @@
             </a:r>
             <a:r>
               <a:rPr lang="en-US" sz="2000" dirty="0" smtClean="0"/>
-              <a:t>lesson</a:t>
-            </a:r>
-            <a:r>
-              <a:rPr lang="en-US" sz="2000" dirty="0" smtClean="0"/>
-              <a:t>) </a:t>
+              <a:t>lesson) </a:t>
             </a:r>
             <a:r>
               <a:rPr lang="en-US" sz="2000" dirty="0"/>
@@ -28737,7 +28720,7 @@
         </p:nvSpPr>
         <p:spPr>
           <a:xfrm>
-            <a:off x="754745" y="0"/>
+            <a:off x="754743" y="0"/>
             <a:ext cx="10682515" cy="6858000"/>
           </a:xfrm>
         </p:spPr>
@@ -28784,7 +28767,23 @@
                 <a:ea typeface="Times New Roman" charset="0"/>
                 <a:cs typeface="Times New Roman" charset="0"/>
               </a:rPr>
-              <a:t>CC BY-NC 4.0. To view a copy of this license, visit </a:t>
+              <a:t>CC </a:t>
+            </a:r>
+            <a:r>
+              <a:rPr lang="en-US" sz="2800" dirty="0">
+                <a:latin typeface="Times New Roman" charset="0"/>
+                <a:ea typeface="Times New Roman" charset="0"/>
+                <a:cs typeface="Times New Roman" charset="0"/>
+              </a:rPr>
+              <a:t>BY-SA </a:t>
+            </a:r>
+            <a:r>
+              <a:rPr lang="en-US" sz="2800" dirty="0">
+                <a:latin typeface="Times New Roman" charset="0"/>
+                <a:ea typeface="Times New Roman" charset="0"/>
+                <a:cs typeface="Times New Roman" charset="0"/>
+              </a:rPr>
+              <a:t>4.0. To view a copy of this license, visit </a:t>
             </a:r>
             <a:r>
               <a:rPr lang="en-US" sz="2800" dirty="0">
@@ -28793,7 +28792,16 @@
                 <a:cs typeface="Times New Roman" charset="0"/>
                 <a:hlinkClick r:id="rId2"/>
               </a:rPr>
-              <a:t>https://creativecommons.org/licenses/by-nc/4.0</a:t>
+              <a:t>https://</a:t>
+            </a:r>
+            <a:r>
+              <a:rPr lang="en-US" sz="2800" dirty="0">
+                <a:latin typeface="Times New Roman" charset="0"/>
+                <a:ea typeface="Times New Roman" charset="0"/>
+                <a:cs typeface="Times New Roman" charset="0"/>
+                <a:hlinkClick r:id="rId2"/>
+              </a:rPr>
+              <a:t>creativecommons.org/licenses/by-sa/4.0</a:t>
             </a:r>
             <a:r>
               <a:rPr lang="en-US" sz="2800" dirty="0">
@@ -28947,20 +28955,13 @@
     </p:spTree>
     <p:extLst>
       <p:ext uri="{BB962C8B-B14F-4D97-AF65-F5344CB8AC3E}">
-        <p14:creationId xmlns:p14="http://schemas.microsoft.com/office/powerpoint/2010/main" val="1703968025"/>
+        <p14:creationId xmlns:p14="http://schemas.microsoft.com/office/powerpoint/2010/main" val="755202744"/>
       </p:ext>
     </p:extLst>
   </p:cSld>
   <p:clrMapOvr>
     <a:masterClrMapping/>
   </p:clrMapOvr>
-  <p:timing>
-    <p:tnLst>
-      <p:par>
-        <p:cTn id="1" dur="indefinite" restart="never" nodeType="tmRoot"/>
-      </p:par>
-    </p:tnLst>
-  </p:timing>
 </p:sld>
 </file>
 
